--- a/Examples/Data/Charts/AsposeScatterChart.pptx
+++ b/Examples/Data/Charts/AsposeScatterChart.pptx
@@ -1,6 +1,6 @@
 
 <file path=ppt/presentation.xml><?xml version="1.0" encoding="utf-8"?>
-<!--Generated by Aspose.Slides for .NET 19.6-->
+<!--Generated by Aspose.Slides for .NET 21.12-->
 <p:presentation xmlns:r="http://schemas.openxmlformats.org/officeDocument/2006/relationships" xmlns:a="http://schemas.openxmlformats.org/drawingml/2006/main" xmlns:p="http://schemas.openxmlformats.org/presentationml/2006/main" saveSubsetFonts="1">
   <p:sldMasterIdLst>
     <p:sldMasterId id="2147483648" r:id="rId1"/>
@@ -112,7 +112,7 @@
 </file>
 
 <file path=ppt/charts/chart1.xml><?xml version="1.0" encoding="utf-8"?>
-<c:chartSpace xmlns:a="http://schemas.openxmlformats.org/drawingml/2006/main" xmlns:r="http://schemas.openxmlformats.org/officeDocument/2006/relationships" xmlns:c="http://schemas.openxmlformats.org/drawingml/2006/chart">
+<c:chartSpace xmlns:a="http://schemas.openxmlformats.org/drawingml/2006/main" xmlns:r="http://schemas.openxmlformats.org/officeDocument/2006/relationships" xmlns:m="http://schemas.openxmlformats.org/officeDocument/2006/math" xmlns:w="http://schemas.openxmlformats.org/wordprocessingml/2006/main" xmlns:wp="http://schemas.openxmlformats.org/drawingml/2006/wordprocessingDrawing" xmlns:a14="http://schemas.microsoft.com/office/drawing/2010/main" xmlns:c="http://schemas.openxmlformats.org/drawingml/2006/chart">
   <c:date1904 val="0"/>
   <c:lang val="ru-RU"/>
   <c:roundedCorners val="0"/>
@@ -340,209 +340,6 @@
         <c:delete val="0"/>
         <c:axPos val="l"/>
         <c:majorGridlines/>
-        <c:title>
-          <c:overlay val="1"/>
-          <c:txPr>
-            <a:bodyPr rot="5400000"/>
-            <a:p>
-              <a:pPr>
-                <a:defRPr/>
-              </a:pPr>
-            </a:p>
-          </c:txPr>
-        </c:title>
-        <c:numFmt formatCode="General" sourceLinked="1"/>
-        <c:majorTickMark val="out"/>
-        <c:minorTickMark val="none"/>
-        <c:crossAx val="67451136"/>
-        <c:crosses val="autoZero"/>
-        <c:crossBetween val="between"/>
-      </c:valAx>
-    </c:plotArea>
-    <c:legend>
-      <c:legendPos/>
-      <c:overlay val="0"/>
-    </c:legend>
-    <c:plotVisOnly val="1"/>
-    <c:dispBlanksAs/>
-    <c:showDLblsOverMax val="1"/>
-  </c:chart>
-  <c:txPr>
-    <a:bodyPr/>
-    <a:p>
-      <a:pPr>
-        <a:defRPr sz="1800" smtId="4294967295"/>
-      </a:pPr>
-      <a:endParaRPr sz="1800" smtId="4294967295"/>
-    </a:p>
-  </c:txPr>
-  <c:externalData r:id="rId1"/>
-</c:chartSpace>
-</file>
-
-<file path=ppt/charts/chart2.xml><?xml version="1.0" encoding="utf-8"?>
-<c:chartSpace xmlns:a="http://schemas.openxmlformats.org/drawingml/2006/main" xmlns:r="http://schemas.openxmlformats.org/officeDocument/2006/relationships" xmlns:c="http://schemas.openxmlformats.org/drawingml/2006/chart">
-  <c:date1904 val="0"/>
-  <c:lang val="ru-RU"/>
-  <c:roundedCorners val="0"/>
-  <mc:AlternateContent xmlns:mc="http://schemas.openxmlformats.org/markup-compatibility/2006">
-    <mc:Choice xmlns:c14="http://schemas.microsoft.com/office/drawing/2007/8/2/chart" Requires="c14">
-      <c14:style val="102"/>
-    </mc:Choice>
-    <mc:Fallback>
-      <c:style val="2"/>
-    </mc:Fallback>
-  </mc:AlternateContent>
-  <c:chart>
-    <c:autoTitleDeleted val="1"/>
-    <c:plotArea>
-      <c:lineChart>
-        <c:grouping/>
-        <c:varyColors val="0"/>
-        <c:ser>
-          <c:idx val="0"/>
-          <c:order val="0"/>
-          <c:tx>
-            <c:strRef>
-              <c:f>Sheet1!$B$2</c:f>
-              <c:strCache>
-                <c:ptCount val="1"/>
-                <c:pt idx="0">
-                  <c:v>4.5</c:v>
-                </c:pt>
-              </c:strCache>
-            </c:strRef>
-          </c:tx>
-          <c:marker>
-            <c:size val="15"/>
-          </c:marker>
-          <c:dPt>
-            <c:idx val="0"/>
-            <c:invertIfNegative val="1"/>
-            <c:marker>
-              <c:spPr>
-                <a:blipFill>
-                  <a:blip r:embed="rId2"/>
-                  <a:tile tx="0" ty="0" sx="100000" sy="100000" flip="none" algn="tl"/>
-                </a:blipFill>
-              </c:spPr>
-            </c:marker>
-          </c:dPt>
-          <c:dPt>
-            <c:idx val="1"/>
-            <c:invertIfNegative val="1"/>
-            <c:marker>
-              <c:spPr>
-                <a:blipFill>
-                  <a:blip r:embed="rId3"/>
-                  <a:tile tx="0" ty="0" sx="100000" sy="100000" flip="none" algn="tl"/>
-                </a:blipFill>
-              </c:spPr>
-            </c:marker>
-          </c:dPt>
-          <c:dPt>
-            <c:idx val="2"/>
-            <c:invertIfNegative val="1"/>
-            <c:marker>
-              <c:spPr>
-                <a:blipFill>
-                  <a:blip r:embed="rId2"/>
-                  <a:tile tx="0" ty="0" sx="100000" sy="100000" flip="none" algn="tl"/>
-                </a:blipFill>
-              </c:spPr>
-            </c:marker>
-          </c:dPt>
-          <c:dPt>
-            <c:idx val="3"/>
-            <c:invertIfNegative val="1"/>
-            <c:marker>
-              <c:spPr>
-                <a:blipFill>
-                  <a:blip r:embed="rId3"/>
-                  <a:tile tx="0" ty="0" sx="100000" sy="100000" flip="none" algn="tl"/>
-                </a:blipFill>
-              </c:spPr>
-            </c:marker>
-          </c:dPt>
-          <c:cat>
-            <c:strRef>
-              <c:f>Sheet1!$A$2:$A$5</c:f>
-              <c:strCache>
-                <c:ptCount val="4"/>
-                <c:pt idx="0">
-                  <c:v>Category 1</c:v>
-                </c:pt>
-                <c:pt idx="1">
-                  <c:v>Category 2</c:v>
-                </c:pt>
-                <c:pt idx="2">
-                  <c:v>Category 3</c:v>
-                </c:pt>
-                <c:pt idx="3">
-                  <c:v>Category 4</c:v>
-                </c:pt>
-              </c:strCache>
-            </c:strRef>
-          </c:cat>
-          <c:val>
-            <c:numRef>
-              <c:f>Sheet1!$B$2:$B$5</c:f>
-              <c:numCache>
-                <c:ptCount val="4"/>
-                <c:pt idx="0">
-                  <c:v>4.5</c:v>
-                </c:pt>
-                <c:pt idx="1">
-                  <c:v>2.5</c:v>
-                </c:pt>
-                <c:pt idx="2">
-                  <c:v>3.5</c:v>
-                </c:pt>
-                <c:pt idx="3">
-                  <c:v>4.5</c:v>
-                </c:pt>
-              </c:numCache>
-            </c:numRef>
-          </c:val>
-          <c:smooth val="0"/>
-        </c:ser>
-        <c:dLbls>
-          <c:showLegendKey val="0"/>
-          <c:showVal val="0"/>
-          <c:showCatName val="0"/>
-          <c:showSerName val="0"/>
-          <c:showPercent val="0"/>
-          <c:showBubbleSize val="0"/>
-          <c:showLeaderLines val="0"/>
-        </c:dLbls>
-        <c:axId val="67451136"/>
-        <c:axId val="66437120"/>
-      </c:lineChart>
-      <c:catAx>
-        <c:axId val="67451136"/>
-        <c:scaling>
-          <c:orientation/>
-        </c:scaling>
-        <c:delete val="0"/>
-        <c:axPos val="b"/>
-        <c:numFmt formatCode="General" sourceLinked="1"/>
-        <c:majorTickMark val="out"/>
-        <c:minorTickMark val="none"/>
-        <c:crossAx val="66437120"/>
-        <c:crosses val="autoZero"/>
-        <c:auto val="0"/>
-        <c:lblAlgn val="ctr"/>
-        <c:lblOffset/>
-        <c:noMultiLvlLbl val="0"/>
-      </c:catAx>
-      <c:valAx>
-        <c:axId val="66437120"/>
-        <c:scaling>
-          <c:orientation/>
-        </c:scaling>
-        <c:delete val="0"/>
-        <c:axPos val="l"/>
-        <c:majorGridlines/>
         <c:numFmt formatCode="General" sourceLinked="1"/>
         <c:majorTickMark val="out"/>
         <c:minorTickMark val="none"/>
@@ -573,11 +370,11 @@
 </file>
 
 <file path=ppt/slideLayouts/slideLayout1.xml><?xml version="1.0" encoding="utf-8"?>
-<p:sldLayout xmlns:a="http://schemas.openxmlformats.org/drawingml/2006/main" xmlns:r="http://schemas.openxmlformats.org/officeDocument/2006/relationships" xmlns:p14="http://schemas.microsoft.com/office/powerpoint/2010/main" xmlns:a14="http://schemas.microsoft.com/office/drawing/2010/main" xmlns:p15="http://schemas.microsoft.com/office/powerpoint/2012/main" xmlns:p159="http://schemas.microsoft.com/office/powerpoint/2015/09/main" xmlns:p="http://schemas.openxmlformats.org/presentationml/2006/main" type="title" preserve="1">
+<p:sldLayout xmlns:a="http://schemas.openxmlformats.org/drawingml/2006/main" xmlns:r="http://schemas.openxmlformats.org/officeDocument/2006/relationships" xmlns:m="http://schemas.openxmlformats.org/officeDocument/2006/math" xmlns:w="http://schemas.openxmlformats.org/wordprocessingml/2006/main" xmlns:wp="http://schemas.openxmlformats.org/drawingml/2006/wordprocessingDrawing" xmlns:a14="http://schemas.microsoft.com/office/drawing/2010/main" xmlns:mc="http://schemas.openxmlformats.org/markup-compatibility/2006" xmlns:p14="http://schemas.microsoft.com/office/powerpoint/2010/main" xmlns:p15="http://schemas.microsoft.com/office/powerpoint/2012/main" xmlns:p159="http://schemas.microsoft.com/office/powerpoint/2015/09/main" xmlns:p="http://schemas.openxmlformats.org/presentationml/2006/main" type="title" preserve="1">
   <p:cSld name="Title Slide">
     <p:spTree>
       <p:nvGrpSpPr>
-        <p:cNvPr id="1" name=""/>
+        <p:cNvPr id="1" name="" title=""/>
         <p:cNvGrpSpPr/>
         <p:nvPr/>
       </p:nvGrpSpPr>
@@ -589,7 +386,7 @@
       </p:grpSpPr>
       <p:sp>
         <p:nvSpPr>
-          <p:cNvPr id="2" name="Title 1"/>
+          <p:cNvPr id="2" name="Title 1" title=""/>
           <p:cNvSpPr>
             <a:spLocks noGrp="1"/>
           </p:cNvSpPr>
@@ -612,7 +409,7 @@
       </p:sp>
       <p:sp>
         <p:nvSpPr>
-          <p:cNvPr id="3" name="Subtitle 2"/>
+          <p:cNvPr id="3" name="Subtitle 2" title=""/>
           <p:cNvSpPr>
             <a:spLocks noGrp="1"/>
           </p:cNvSpPr>
@@ -726,7 +523,7 @@
       </p:sp>
       <p:sp>
         <p:nvSpPr>
-          <p:cNvPr id="4" name="Date Placeholder 3"/>
+          <p:cNvPr id="4" name="Date Placeholder 3" title=""/>
           <p:cNvSpPr>
             <a:spLocks noGrp="1"/>
           </p:cNvSpPr>
@@ -739,7 +536,7 @@
           <a:bodyPr/>
           <a:lstStyle/>
           <a:p>
-            <a:fld id="{EA5C69D9-8A8B-407A-8ABB-3998763B2DA8}" type="datetimeFigureOut">
+            <a:fld id="{7377D50E-F5E8-4AA2-A4D4-2E052520C186}" type="datetimeFigureOut">
               <a:rPr lang="en-US" smtClean="0"/>
               <a:t>11/7/2009</a:t>
             </a:fld>
@@ -749,7 +546,7 @@
       </p:sp>
       <p:sp>
         <p:nvSpPr>
-          <p:cNvPr id="5" name="Footer Placeholder 4"/>
+          <p:cNvPr id="5" name="Footer Placeholder 4" title=""/>
           <p:cNvSpPr>
             <a:spLocks noGrp="1"/>
           </p:cNvSpPr>
@@ -768,7 +565,7 @@
       </p:sp>
       <p:sp>
         <p:nvSpPr>
-          <p:cNvPr id="6" name="Slide Number Placeholder 5"/>
+          <p:cNvPr id="6" name="Slide Number Placeholder 5" title=""/>
           <p:cNvSpPr>
             <a:spLocks noGrp="1"/>
           </p:cNvSpPr>
@@ -800,11 +597,11 @@
 </file>
 
 <file path=ppt/slideLayouts/slideLayout10.xml><?xml version="1.0" encoding="utf-8"?>
-<p:sldLayout xmlns:a="http://schemas.openxmlformats.org/drawingml/2006/main" xmlns:r="http://schemas.openxmlformats.org/officeDocument/2006/relationships" xmlns:p14="http://schemas.microsoft.com/office/powerpoint/2010/main" xmlns:a14="http://schemas.microsoft.com/office/drawing/2010/main" xmlns:p15="http://schemas.microsoft.com/office/powerpoint/2012/main" xmlns:p159="http://schemas.microsoft.com/office/powerpoint/2015/09/main" xmlns:p="http://schemas.openxmlformats.org/presentationml/2006/main" type="vertTx" preserve="1">
+<p:sldLayout xmlns:a="http://schemas.openxmlformats.org/drawingml/2006/main" xmlns:r="http://schemas.openxmlformats.org/officeDocument/2006/relationships" xmlns:m="http://schemas.openxmlformats.org/officeDocument/2006/math" xmlns:w="http://schemas.openxmlformats.org/wordprocessingml/2006/main" xmlns:wp="http://schemas.openxmlformats.org/drawingml/2006/wordprocessingDrawing" xmlns:a14="http://schemas.microsoft.com/office/drawing/2010/main" xmlns:mc="http://schemas.openxmlformats.org/markup-compatibility/2006" xmlns:p14="http://schemas.microsoft.com/office/powerpoint/2010/main" xmlns:p15="http://schemas.microsoft.com/office/powerpoint/2012/main" xmlns:p159="http://schemas.microsoft.com/office/powerpoint/2015/09/main" xmlns:p="http://schemas.openxmlformats.org/presentationml/2006/main" type="vertTx" preserve="1">
   <p:cSld name="Title and Vertical Text">
     <p:spTree>
       <p:nvGrpSpPr>
-        <p:cNvPr id="1" name=""/>
+        <p:cNvPr id="1" name="" title=""/>
         <p:cNvGrpSpPr/>
         <p:nvPr/>
       </p:nvGrpSpPr>
@@ -816,7 +613,7 @@
       </p:grpSpPr>
       <p:sp>
         <p:nvSpPr>
-          <p:cNvPr id="2" name="Title 1"/>
+          <p:cNvPr id="2" name="Title 1" title=""/>
           <p:cNvSpPr>
             <a:spLocks noGrp="1"/>
           </p:cNvSpPr>
@@ -839,7 +636,7 @@
       </p:sp>
       <p:sp>
         <p:nvSpPr>
-          <p:cNvPr id="3" name="Vertical Text Placeholder 2"/>
+          <p:cNvPr id="3" name="Vertical Text Placeholder 2" title=""/>
           <p:cNvSpPr>
             <a:spLocks noGrp="1"/>
           </p:cNvSpPr>
@@ -890,7 +687,7 @@
       </p:sp>
       <p:sp>
         <p:nvSpPr>
-          <p:cNvPr id="4" name="Date Placeholder 3"/>
+          <p:cNvPr id="4" name="Date Placeholder 3" title=""/>
           <p:cNvSpPr>
             <a:spLocks noGrp="1"/>
           </p:cNvSpPr>
@@ -903,7 +700,7 @@
           <a:bodyPr/>
           <a:lstStyle/>
           <a:p>
-            <a:fld id="{62A4C848-B472-44EE-B8FD-B82D073F5152}" type="datetimeFigureOut">
+            <a:fld id="{AEC6E47E-702A-4199-8119-3434456F9FAC}" type="datetimeFigureOut">
               <a:rPr lang="en-US" smtClean="0"/>
               <a:t>11/7/2009</a:t>
             </a:fld>
@@ -913,7 +710,7 @@
       </p:sp>
       <p:sp>
         <p:nvSpPr>
-          <p:cNvPr id="5" name="Footer Placeholder 4"/>
+          <p:cNvPr id="5" name="Footer Placeholder 4" title=""/>
           <p:cNvSpPr>
             <a:spLocks noGrp="1"/>
           </p:cNvSpPr>
@@ -932,7 +729,7 @@
       </p:sp>
       <p:sp>
         <p:nvSpPr>
-          <p:cNvPr id="6" name="Slide Number Placeholder 5"/>
+          <p:cNvPr id="6" name="Slide Number Placeholder 5" title=""/>
           <p:cNvSpPr>
             <a:spLocks noGrp="1"/>
           </p:cNvSpPr>
@@ -964,11 +761,11 @@
 </file>
 
 <file path=ppt/slideLayouts/slideLayout11.xml><?xml version="1.0" encoding="utf-8"?>
-<p:sldLayout xmlns:a="http://schemas.openxmlformats.org/drawingml/2006/main" xmlns:r="http://schemas.openxmlformats.org/officeDocument/2006/relationships" xmlns:p14="http://schemas.microsoft.com/office/powerpoint/2010/main" xmlns:a14="http://schemas.microsoft.com/office/drawing/2010/main" xmlns:p15="http://schemas.microsoft.com/office/powerpoint/2012/main" xmlns:p159="http://schemas.microsoft.com/office/powerpoint/2015/09/main" xmlns:p="http://schemas.openxmlformats.org/presentationml/2006/main" type="vertTitleAndTx" preserve="1">
+<p:sldLayout xmlns:a="http://schemas.openxmlformats.org/drawingml/2006/main" xmlns:r="http://schemas.openxmlformats.org/officeDocument/2006/relationships" xmlns:m="http://schemas.openxmlformats.org/officeDocument/2006/math" xmlns:w="http://schemas.openxmlformats.org/wordprocessingml/2006/main" xmlns:wp="http://schemas.openxmlformats.org/drawingml/2006/wordprocessingDrawing" xmlns:a14="http://schemas.microsoft.com/office/drawing/2010/main" xmlns:mc="http://schemas.openxmlformats.org/markup-compatibility/2006" xmlns:p14="http://schemas.microsoft.com/office/powerpoint/2010/main" xmlns:p15="http://schemas.microsoft.com/office/powerpoint/2012/main" xmlns:p159="http://schemas.microsoft.com/office/powerpoint/2015/09/main" xmlns:p="http://schemas.openxmlformats.org/presentationml/2006/main" type="vertTitleAndTx" preserve="1">
   <p:cSld name="Vertical Title and Text">
     <p:spTree>
       <p:nvGrpSpPr>
-        <p:cNvPr id="1" name=""/>
+        <p:cNvPr id="1" name="" title=""/>
         <p:cNvGrpSpPr/>
         <p:nvPr/>
       </p:nvGrpSpPr>
@@ -980,7 +777,7 @@
       </p:grpSpPr>
       <p:sp>
         <p:nvSpPr>
-          <p:cNvPr id="2" name="Vertical Title 1"/>
+          <p:cNvPr id="2" name="Vertical Title 1" title=""/>
           <p:cNvSpPr>
             <a:spLocks noGrp="1"/>
           </p:cNvSpPr>
@@ -1003,7 +800,7 @@
       </p:sp>
       <p:sp>
         <p:nvSpPr>
-          <p:cNvPr id="3" name="Vertical Text Placeholder 2"/>
+          <p:cNvPr id="3" name="Vertical Text Placeholder 2" title=""/>
           <p:cNvSpPr>
             <a:spLocks noGrp="1"/>
           </p:cNvSpPr>
@@ -1054,7 +851,7 @@
       </p:sp>
       <p:sp>
         <p:nvSpPr>
-          <p:cNvPr id="4" name="Date Placeholder 3"/>
+          <p:cNvPr id="4" name="Date Placeholder 3" title=""/>
           <p:cNvSpPr>
             <a:spLocks noGrp="1"/>
           </p:cNvSpPr>
@@ -1067,7 +864,7 @@
           <a:bodyPr/>
           <a:lstStyle/>
           <a:p>
-            <a:fld id="{CD98C795-6026-4658-8F09-BE59AB82D5D6}" type="datetimeFigureOut">
+            <a:fld id="{6B113855-B707-4C75-A1DF-E3674A5A6269}" type="datetimeFigureOut">
               <a:rPr lang="en-US" smtClean="0"/>
               <a:t>11/7/2009</a:t>
             </a:fld>
@@ -1077,7 +874,7 @@
       </p:sp>
       <p:sp>
         <p:nvSpPr>
-          <p:cNvPr id="5" name="Footer Placeholder 4"/>
+          <p:cNvPr id="5" name="Footer Placeholder 4" title=""/>
           <p:cNvSpPr>
             <a:spLocks noGrp="1"/>
           </p:cNvSpPr>
@@ -1096,7 +893,7 @@
       </p:sp>
       <p:sp>
         <p:nvSpPr>
-          <p:cNvPr id="6" name="Slide Number Placeholder 5"/>
+          <p:cNvPr id="6" name="Slide Number Placeholder 5" title=""/>
           <p:cNvSpPr>
             <a:spLocks noGrp="1"/>
           </p:cNvSpPr>
@@ -1128,11 +925,11 @@
 </file>
 
 <file path=ppt/slideLayouts/slideLayout2.xml><?xml version="1.0" encoding="utf-8"?>
-<p:sldLayout xmlns:a="http://schemas.openxmlformats.org/drawingml/2006/main" xmlns:r="http://schemas.openxmlformats.org/officeDocument/2006/relationships" xmlns:p14="http://schemas.microsoft.com/office/powerpoint/2010/main" xmlns:a14="http://schemas.microsoft.com/office/drawing/2010/main" xmlns:p15="http://schemas.microsoft.com/office/powerpoint/2012/main" xmlns:p159="http://schemas.microsoft.com/office/powerpoint/2015/09/main" xmlns:p="http://schemas.openxmlformats.org/presentationml/2006/main" type="obj" preserve="1">
+<p:sldLayout xmlns:a="http://schemas.openxmlformats.org/drawingml/2006/main" xmlns:r="http://schemas.openxmlformats.org/officeDocument/2006/relationships" xmlns:m="http://schemas.openxmlformats.org/officeDocument/2006/math" xmlns:w="http://schemas.openxmlformats.org/wordprocessingml/2006/main" xmlns:wp="http://schemas.openxmlformats.org/drawingml/2006/wordprocessingDrawing" xmlns:a14="http://schemas.microsoft.com/office/drawing/2010/main" xmlns:mc="http://schemas.openxmlformats.org/markup-compatibility/2006" xmlns:p14="http://schemas.microsoft.com/office/powerpoint/2010/main" xmlns:p15="http://schemas.microsoft.com/office/powerpoint/2012/main" xmlns:p159="http://schemas.microsoft.com/office/powerpoint/2015/09/main" xmlns:p="http://schemas.openxmlformats.org/presentationml/2006/main" type="obj" preserve="1">
   <p:cSld name="Title and Content">
     <p:spTree>
       <p:nvGrpSpPr>
-        <p:cNvPr id="1" name=""/>
+        <p:cNvPr id="1" name="" title=""/>
         <p:cNvGrpSpPr/>
         <p:nvPr/>
       </p:nvGrpSpPr>
@@ -1144,7 +941,7 @@
       </p:grpSpPr>
       <p:sp>
         <p:nvSpPr>
-          <p:cNvPr id="2" name="Title 1"/>
+          <p:cNvPr id="2" name="Title 1" title=""/>
           <p:cNvSpPr>
             <a:spLocks noGrp="1"/>
           </p:cNvSpPr>
@@ -1167,7 +964,7 @@
       </p:sp>
       <p:sp>
         <p:nvSpPr>
-          <p:cNvPr id="3" name="Content Placeholder 2"/>
+          <p:cNvPr id="3" name="Content Placeholder 2" title=""/>
           <p:cNvSpPr>
             <a:spLocks noGrp="1"/>
           </p:cNvSpPr>
@@ -1218,7 +1015,7 @@
       </p:sp>
       <p:sp>
         <p:nvSpPr>
-          <p:cNvPr id="4" name="Date Placeholder 3"/>
+          <p:cNvPr id="4" name="Date Placeholder 3" title=""/>
           <p:cNvSpPr>
             <a:spLocks noGrp="1"/>
           </p:cNvSpPr>
@@ -1231,7 +1028,7 @@
           <a:bodyPr/>
           <a:lstStyle/>
           <a:p>
-            <a:fld id="{FFFBEAE2-A42A-496B-BF96-E18AA57DA106}" type="datetimeFigureOut">
+            <a:fld id="{936069D5-60E8-49CA-8308-9D08C5ED368C}" type="datetimeFigureOut">
               <a:rPr lang="en-US" smtClean="0"/>
               <a:t>11/7/2009</a:t>
             </a:fld>
@@ -1241,7 +1038,7 @@
       </p:sp>
       <p:sp>
         <p:nvSpPr>
-          <p:cNvPr id="5" name="Footer Placeholder 4"/>
+          <p:cNvPr id="5" name="Footer Placeholder 4" title=""/>
           <p:cNvSpPr>
             <a:spLocks noGrp="1"/>
           </p:cNvSpPr>
@@ -1260,7 +1057,7 @@
       </p:sp>
       <p:sp>
         <p:nvSpPr>
-          <p:cNvPr id="6" name="Slide Number Placeholder 5"/>
+          <p:cNvPr id="6" name="Slide Number Placeholder 5" title=""/>
           <p:cNvSpPr>
             <a:spLocks noGrp="1"/>
           </p:cNvSpPr>
@@ -1292,11 +1089,11 @@
 </file>
 
 <file path=ppt/slideLayouts/slideLayout3.xml><?xml version="1.0" encoding="utf-8"?>
-<p:sldLayout xmlns:a="http://schemas.openxmlformats.org/drawingml/2006/main" xmlns:r="http://schemas.openxmlformats.org/officeDocument/2006/relationships" xmlns:p14="http://schemas.microsoft.com/office/powerpoint/2010/main" xmlns:a14="http://schemas.microsoft.com/office/drawing/2010/main" xmlns:p15="http://schemas.microsoft.com/office/powerpoint/2012/main" xmlns:p159="http://schemas.microsoft.com/office/powerpoint/2015/09/main" xmlns:p="http://schemas.openxmlformats.org/presentationml/2006/main" type="secHead" preserve="1">
+<p:sldLayout xmlns:a="http://schemas.openxmlformats.org/drawingml/2006/main" xmlns:r="http://schemas.openxmlformats.org/officeDocument/2006/relationships" xmlns:m="http://schemas.openxmlformats.org/officeDocument/2006/math" xmlns:w="http://schemas.openxmlformats.org/wordprocessingml/2006/main" xmlns:wp="http://schemas.openxmlformats.org/drawingml/2006/wordprocessingDrawing" xmlns:a14="http://schemas.microsoft.com/office/drawing/2010/main" xmlns:mc="http://schemas.openxmlformats.org/markup-compatibility/2006" xmlns:p14="http://schemas.microsoft.com/office/powerpoint/2010/main" xmlns:p15="http://schemas.microsoft.com/office/powerpoint/2012/main" xmlns:p159="http://schemas.microsoft.com/office/powerpoint/2015/09/main" xmlns:p="http://schemas.openxmlformats.org/presentationml/2006/main" type="secHead" preserve="1">
   <p:cSld name="Section Header">
     <p:spTree>
       <p:nvGrpSpPr>
-        <p:cNvPr id="1" name=""/>
+        <p:cNvPr id="1" name="" title=""/>
         <p:cNvGrpSpPr/>
         <p:nvPr/>
       </p:nvGrpSpPr>
@@ -1308,7 +1105,7 @@
       </p:grpSpPr>
       <p:sp>
         <p:nvSpPr>
-          <p:cNvPr id="2" name="Title 1"/>
+          <p:cNvPr id="2" name="Title 1" title=""/>
           <p:cNvSpPr>
             <a:spLocks noGrp="1"/>
           </p:cNvSpPr>
@@ -1335,7 +1132,7 @@
       </p:sp>
       <p:sp>
         <p:nvSpPr>
-          <p:cNvPr id="3" name="Text Placeholder 2"/>
+          <p:cNvPr id="3" name="Text Placeholder 2" title=""/>
           <p:cNvSpPr>
             <a:spLocks noGrp="1"/>
           </p:cNvSpPr>
@@ -1448,7 +1245,7 @@
       </p:sp>
       <p:sp>
         <p:nvSpPr>
-          <p:cNvPr id="4" name="Date Placeholder 3"/>
+          <p:cNvPr id="4" name="Date Placeholder 3" title=""/>
           <p:cNvSpPr>
             <a:spLocks noGrp="1"/>
           </p:cNvSpPr>
@@ -1461,7 +1258,7 @@
           <a:bodyPr/>
           <a:lstStyle/>
           <a:p>
-            <a:fld id="{1AC99989-EB87-4C50-9362-E39232494A09}" type="datetimeFigureOut">
+            <a:fld id="{785FC65F-A31F-4C74-94C0-60953D68044A}" type="datetimeFigureOut">
               <a:rPr lang="en-US" smtClean="0"/>
               <a:t>11/7/2009</a:t>
             </a:fld>
@@ -1471,7 +1268,7 @@
       </p:sp>
       <p:sp>
         <p:nvSpPr>
-          <p:cNvPr id="5" name="Footer Placeholder 4"/>
+          <p:cNvPr id="5" name="Footer Placeholder 4" title=""/>
           <p:cNvSpPr>
             <a:spLocks noGrp="1"/>
           </p:cNvSpPr>
@@ -1490,7 +1287,7 @@
       </p:sp>
       <p:sp>
         <p:nvSpPr>
-          <p:cNvPr id="6" name="Slide Number Placeholder 5"/>
+          <p:cNvPr id="6" name="Slide Number Placeholder 5" title=""/>
           <p:cNvSpPr>
             <a:spLocks noGrp="1"/>
           </p:cNvSpPr>
@@ -1522,11 +1319,11 @@
 </file>
 
 <file path=ppt/slideLayouts/slideLayout4.xml><?xml version="1.0" encoding="utf-8"?>
-<p:sldLayout xmlns:a="http://schemas.openxmlformats.org/drawingml/2006/main" xmlns:r="http://schemas.openxmlformats.org/officeDocument/2006/relationships" xmlns:p14="http://schemas.microsoft.com/office/powerpoint/2010/main" xmlns:a14="http://schemas.microsoft.com/office/drawing/2010/main" xmlns:p15="http://schemas.microsoft.com/office/powerpoint/2012/main" xmlns:p159="http://schemas.microsoft.com/office/powerpoint/2015/09/main" xmlns:p="http://schemas.openxmlformats.org/presentationml/2006/main" type="twoObj" preserve="1">
+<p:sldLayout xmlns:a="http://schemas.openxmlformats.org/drawingml/2006/main" xmlns:r="http://schemas.openxmlformats.org/officeDocument/2006/relationships" xmlns:m="http://schemas.openxmlformats.org/officeDocument/2006/math" xmlns:w="http://schemas.openxmlformats.org/wordprocessingml/2006/main" xmlns:wp="http://schemas.openxmlformats.org/drawingml/2006/wordprocessingDrawing" xmlns:a14="http://schemas.microsoft.com/office/drawing/2010/main" xmlns:mc="http://schemas.openxmlformats.org/markup-compatibility/2006" xmlns:p14="http://schemas.microsoft.com/office/powerpoint/2010/main" xmlns:p15="http://schemas.microsoft.com/office/powerpoint/2012/main" xmlns:p159="http://schemas.microsoft.com/office/powerpoint/2015/09/main" xmlns:p="http://schemas.openxmlformats.org/presentationml/2006/main" type="twoObj" preserve="1">
   <p:cSld name="Two Content">
     <p:spTree>
       <p:nvGrpSpPr>
-        <p:cNvPr id="1" name=""/>
+        <p:cNvPr id="1" name="" title=""/>
         <p:cNvGrpSpPr/>
         <p:nvPr/>
       </p:nvGrpSpPr>
@@ -1538,7 +1335,7 @@
       </p:grpSpPr>
       <p:sp>
         <p:nvSpPr>
-          <p:cNvPr id="2" name="Title 1"/>
+          <p:cNvPr id="2" name="Title 1" title=""/>
           <p:cNvSpPr>
             <a:spLocks noGrp="1"/>
           </p:cNvSpPr>
@@ -1561,7 +1358,7 @@
       </p:sp>
       <p:sp>
         <p:nvSpPr>
-          <p:cNvPr id="3" name="Content Placeholder 2"/>
+          <p:cNvPr id="3" name="Content Placeholder 2" title=""/>
           <p:cNvSpPr>
             <a:spLocks noGrp="1"/>
           </p:cNvSpPr>
@@ -1640,7 +1437,7 @@
       </p:sp>
       <p:sp>
         <p:nvSpPr>
-          <p:cNvPr id="4" name="Content Placeholder 3"/>
+          <p:cNvPr id="4" name="Content Placeholder 3" title=""/>
           <p:cNvSpPr>
             <a:spLocks noGrp="1"/>
           </p:cNvSpPr>
@@ -1719,7 +1516,7 @@
       </p:sp>
       <p:sp>
         <p:nvSpPr>
-          <p:cNvPr id="5" name="Date Placeholder 4"/>
+          <p:cNvPr id="5" name="Date Placeholder 4" title=""/>
           <p:cNvSpPr>
             <a:spLocks noGrp="1"/>
           </p:cNvSpPr>
@@ -1732,7 +1529,7 @@
           <a:bodyPr/>
           <a:lstStyle/>
           <a:p>
-            <a:fld id="{DB1E2DC7-78B8-46B8-9A76-08F3BE83E57B}" type="datetimeFigureOut">
+            <a:fld id="{122118EF-B700-4563-A5A4-C4E668B9EF64}" type="datetimeFigureOut">
               <a:rPr lang="en-US" smtClean="0"/>
               <a:t>11/7/2009</a:t>
             </a:fld>
@@ -1742,7 +1539,7 @@
       </p:sp>
       <p:sp>
         <p:nvSpPr>
-          <p:cNvPr id="6" name="Footer Placeholder 5"/>
+          <p:cNvPr id="6" name="Footer Placeholder 5" title=""/>
           <p:cNvSpPr>
             <a:spLocks noGrp="1"/>
           </p:cNvSpPr>
@@ -1761,7 +1558,7 @@
       </p:sp>
       <p:sp>
         <p:nvSpPr>
-          <p:cNvPr id="7" name="Slide Number Placeholder 6"/>
+          <p:cNvPr id="7" name="Slide Number Placeholder 6" title=""/>
           <p:cNvSpPr>
             <a:spLocks noGrp="1"/>
           </p:cNvSpPr>
@@ -1793,11 +1590,11 @@
 </file>
 
 <file path=ppt/slideLayouts/slideLayout5.xml><?xml version="1.0" encoding="utf-8"?>
-<p:sldLayout xmlns:a="http://schemas.openxmlformats.org/drawingml/2006/main" xmlns:r="http://schemas.openxmlformats.org/officeDocument/2006/relationships" xmlns:p14="http://schemas.microsoft.com/office/powerpoint/2010/main" xmlns:a14="http://schemas.microsoft.com/office/drawing/2010/main" xmlns:p15="http://schemas.microsoft.com/office/powerpoint/2012/main" xmlns:p159="http://schemas.microsoft.com/office/powerpoint/2015/09/main" xmlns:p="http://schemas.openxmlformats.org/presentationml/2006/main" type="twoTxTwoObj" preserve="1">
+<p:sldLayout xmlns:a="http://schemas.openxmlformats.org/drawingml/2006/main" xmlns:r="http://schemas.openxmlformats.org/officeDocument/2006/relationships" xmlns:m="http://schemas.openxmlformats.org/officeDocument/2006/math" xmlns:w="http://schemas.openxmlformats.org/wordprocessingml/2006/main" xmlns:wp="http://schemas.openxmlformats.org/drawingml/2006/wordprocessingDrawing" xmlns:a14="http://schemas.microsoft.com/office/drawing/2010/main" xmlns:mc="http://schemas.openxmlformats.org/markup-compatibility/2006" xmlns:p14="http://schemas.microsoft.com/office/powerpoint/2010/main" xmlns:p15="http://schemas.microsoft.com/office/powerpoint/2012/main" xmlns:p159="http://schemas.microsoft.com/office/powerpoint/2015/09/main" xmlns:p="http://schemas.openxmlformats.org/presentationml/2006/main" type="twoTxTwoObj" preserve="1">
   <p:cSld name="Comparison">
     <p:spTree>
       <p:nvGrpSpPr>
-        <p:cNvPr id="1" name=""/>
+        <p:cNvPr id="1" name="" title=""/>
         <p:cNvGrpSpPr/>
         <p:nvPr/>
       </p:nvGrpSpPr>
@@ -1809,7 +1606,7 @@
       </p:grpSpPr>
       <p:sp>
         <p:nvSpPr>
-          <p:cNvPr id="2" name="Title 1"/>
+          <p:cNvPr id="2" name="Title 1" title=""/>
           <p:cNvSpPr>
             <a:spLocks noGrp="1"/>
           </p:cNvSpPr>
@@ -1832,7 +1629,7 @@
       </p:sp>
       <p:sp>
         <p:nvSpPr>
-          <p:cNvPr id="3" name="Text Placeholder 2"/>
+          <p:cNvPr id="3" name="Text Placeholder 2" title=""/>
           <p:cNvSpPr>
             <a:spLocks noGrp="1"/>
           </p:cNvSpPr>
@@ -1891,7 +1688,7 @@
       </p:sp>
       <p:sp>
         <p:nvSpPr>
-          <p:cNvPr id="4" name="Content Placeholder 3"/>
+          <p:cNvPr id="4" name="Content Placeholder 3" title=""/>
           <p:cNvSpPr>
             <a:spLocks noGrp="1"/>
           </p:cNvSpPr>
@@ -1970,7 +1767,7 @@
       </p:sp>
       <p:sp>
         <p:nvSpPr>
-          <p:cNvPr id="5" name="Text Placeholder 4"/>
+          <p:cNvPr id="5" name="Text Placeholder 4" title=""/>
           <p:cNvSpPr>
             <a:spLocks noGrp="1"/>
           </p:cNvSpPr>
@@ -2029,7 +1826,7 @@
       </p:sp>
       <p:sp>
         <p:nvSpPr>
-          <p:cNvPr id="6" name="Content Placeholder 5"/>
+          <p:cNvPr id="6" name="Content Placeholder 5" title=""/>
           <p:cNvSpPr>
             <a:spLocks noGrp="1"/>
           </p:cNvSpPr>
@@ -2108,7 +1905,7 @@
       </p:sp>
       <p:sp>
         <p:nvSpPr>
-          <p:cNvPr id="7" name="Date Placeholder 6"/>
+          <p:cNvPr id="7" name="Date Placeholder 6" title=""/>
           <p:cNvSpPr>
             <a:spLocks noGrp="1"/>
           </p:cNvSpPr>
@@ -2121,7 +1918,7 @@
           <a:bodyPr/>
           <a:lstStyle/>
           <a:p>
-            <a:fld id="{CC1A0CD6-4701-4747-A7CA-36CE710F1093}" type="datetimeFigureOut">
+            <a:fld id="{47C557D9-68CC-4216-8212-76760E472A69}" type="datetimeFigureOut">
               <a:rPr lang="en-US" smtClean="0"/>
               <a:t>11/7/2009</a:t>
             </a:fld>
@@ -2131,7 +1928,7 @@
       </p:sp>
       <p:sp>
         <p:nvSpPr>
-          <p:cNvPr id="8" name="Footer Placeholder 7"/>
+          <p:cNvPr id="8" name="Footer Placeholder 7" title=""/>
           <p:cNvSpPr>
             <a:spLocks noGrp="1"/>
           </p:cNvSpPr>
@@ -2150,7 +1947,7 @@
       </p:sp>
       <p:sp>
         <p:nvSpPr>
-          <p:cNvPr id="9" name="Slide Number Placeholder 8"/>
+          <p:cNvPr id="9" name="Slide Number Placeholder 8" title=""/>
           <p:cNvSpPr>
             <a:spLocks noGrp="1"/>
           </p:cNvSpPr>
@@ -2182,11 +1979,11 @@
 </file>
 
 <file path=ppt/slideLayouts/slideLayout6.xml><?xml version="1.0" encoding="utf-8"?>
-<p:sldLayout xmlns:a="http://schemas.openxmlformats.org/drawingml/2006/main" xmlns:r="http://schemas.openxmlformats.org/officeDocument/2006/relationships" xmlns:p14="http://schemas.microsoft.com/office/powerpoint/2010/main" xmlns:a14="http://schemas.microsoft.com/office/drawing/2010/main" xmlns:p15="http://schemas.microsoft.com/office/powerpoint/2012/main" xmlns:p159="http://schemas.microsoft.com/office/powerpoint/2015/09/main" xmlns:p="http://schemas.openxmlformats.org/presentationml/2006/main" type="titleOnly" preserve="1">
+<p:sldLayout xmlns:a="http://schemas.openxmlformats.org/drawingml/2006/main" xmlns:r="http://schemas.openxmlformats.org/officeDocument/2006/relationships" xmlns:m="http://schemas.openxmlformats.org/officeDocument/2006/math" xmlns:w="http://schemas.openxmlformats.org/wordprocessingml/2006/main" xmlns:wp="http://schemas.openxmlformats.org/drawingml/2006/wordprocessingDrawing" xmlns:a14="http://schemas.microsoft.com/office/drawing/2010/main" xmlns:mc="http://schemas.openxmlformats.org/markup-compatibility/2006" xmlns:p14="http://schemas.microsoft.com/office/powerpoint/2010/main" xmlns:p15="http://schemas.microsoft.com/office/powerpoint/2012/main" xmlns:p159="http://schemas.microsoft.com/office/powerpoint/2015/09/main" xmlns:p="http://schemas.openxmlformats.org/presentationml/2006/main" type="titleOnly" preserve="1">
   <p:cSld name="Title Only">
     <p:spTree>
       <p:nvGrpSpPr>
-        <p:cNvPr id="1" name=""/>
+        <p:cNvPr id="1" name="" title=""/>
         <p:cNvGrpSpPr/>
         <p:nvPr/>
       </p:nvGrpSpPr>
@@ -2198,7 +1995,7 @@
       </p:grpSpPr>
       <p:sp>
         <p:nvSpPr>
-          <p:cNvPr id="2" name="Title 1"/>
+          <p:cNvPr id="2" name="Title 1" title=""/>
           <p:cNvSpPr>
             <a:spLocks noGrp="1"/>
           </p:cNvSpPr>
@@ -2221,7 +2018,7 @@
       </p:sp>
       <p:sp>
         <p:nvSpPr>
-          <p:cNvPr id="3" name="Date Placeholder 2"/>
+          <p:cNvPr id="3" name="Date Placeholder 2" title=""/>
           <p:cNvSpPr>
             <a:spLocks noGrp="1"/>
           </p:cNvSpPr>
@@ -2234,7 +2031,7 @@
           <a:bodyPr/>
           <a:lstStyle/>
           <a:p>
-            <a:fld id="{3B7D80E0-5819-418E-BE4D-0AD7E0B756FF}" type="datetimeFigureOut">
+            <a:fld id="{14845579-B47D-47F5-ADC3-EF729B146C49}" type="datetimeFigureOut">
               <a:rPr lang="en-US" smtClean="0"/>
               <a:t>11/7/2009</a:t>
             </a:fld>
@@ -2244,7 +2041,7 @@
       </p:sp>
       <p:sp>
         <p:nvSpPr>
-          <p:cNvPr id="4" name="Footer Placeholder 3"/>
+          <p:cNvPr id="4" name="Footer Placeholder 3" title=""/>
           <p:cNvSpPr>
             <a:spLocks noGrp="1"/>
           </p:cNvSpPr>
@@ -2263,7 +2060,7 @@
       </p:sp>
       <p:sp>
         <p:nvSpPr>
-          <p:cNvPr id="5" name="Slide Number Placeholder 4"/>
+          <p:cNvPr id="5" name="Slide Number Placeholder 4" title=""/>
           <p:cNvSpPr>
             <a:spLocks noGrp="1"/>
           </p:cNvSpPr>
@@ -2295,11 +2092,11 @@
 </file>
 
 <file path=ppt/slideLayouts/slideLayout7.xml><?xml version="1.0" encoding="utf-8"?>
-<p:sldLayout xmlns:a="http://schemas.openxmlformats.org/drawingml/2006/main" xmlns:r="http://schemas.openxmlformats.org/officeDocument/2006/relationships" xmlns:p14="http://schemas.microsoft.com/office/powerpoint/2010/main" xmlns:a14="http://schemas.microsoft.com/office/drawing/2010/main" xmlns:p15="http://schemas.microsoft.com/office/powerpoint/2012/main" xmlns:p159="http://schemas.microsoft.com/office/powerpoint/2015/09/main" xmlns:p="http://schemas.openxmlformats.org/presentationml/2006/main" type="blank" preserve="1">
+<p:sldLayout xmlns:a="http://schemas.openxmlformats.org/drawingml/2006/main" xmlns:r="http://schemas.openxmlformats.org/officeDocument/2006/relationships" xmlns:m="http://schemas.openxmlformats.org/officeDocument/2006/math" xmlns:w="http://schemas.openxmlformats.org/wordprocessingml/2006/main" xmlns:wp="http://schemas.openxmlformats.org/drawingml/2006/wordprocessingDrawing" xmlns:a14="http://schemas.microsoft.com/office/drawing/2010/main" xmlns:mc="http://schemas.openxmlformats.org/markup-compatibility/2006" xmlns:p14="http://schemas.microsoft.com/office/powerpoint/2010/main" xmlns:p15="http://schemas.microsoft.com/office/powerpoint/2012/main" xmlns:p159="http://schemas.microsoft.com/office/powerpoint/2015/09/main" xmlns:p="http://schemas.openxmlformats.org/presentationml/2006/main" type="blank" preserve="1">
   <p:cSld name="Blank">
     <p:spTree>
       <p:nvGrpSpPr>
-        <p:cNvPr id="1" name=""/>
+        <p:cNvPr id="1" name="" title=""/>
         <p:cNvGrpSpPr/>
         <p:nvPr/>
       </p:nvGrpSpPr>
@@ -2311,7 +2108,7 @@
       </p:grpSpPr>
       <p:sp>
         <p:nvSpPr>
-          <p:cNvPr id="2" name="Date Placeholder 1"/>
+          <p:cNvPr id="2" name="Date Placeholder 1" title=""/>
           <p:cNvSpPr>
             <a:spLocks noGrp="1"/>
           </p:cNvSpPr>
@@ -2324,7 +2121,7 @@
           <a:bodyPr/>
           <a:lstStyle/>
           <a:p>
-            <a:fld id="{739B571E-1130-4B4F-8E79-4B2CF23ED83E}" type="datetimeFigureOut">
+            <a:fld id="{AA69F069-9384-4C79-8E21-1C0E804611EA}" type="datetimeFigureOut">
               <a:rPr lang="en-US" smtClean="0"/>
               <a:t>11/7/2009</a:t>
             </a:fld>
@@ -2334,7 +2131,7 @@
       </p:sp>
       <p:sp>
         <p:nvSpPr>
-          <p:cNvPr id="3" name="Footer Placeholder 2"/>
+          <p:cNvPr id="3" name="Footer Placeholder 2" title=""/>
           <p:cNvSpPr>
             <a:spLocks noGrp="1"/>
           </p:cNvSpPr>
@@ -2353,7 +2150,7 @@
       </p:sp>
       <p:sp>
         <p:nvSpPr>
-          <p:cNvPr id="4" name="Slide Number Placeholder 3"/>
+          <p:cNvPr id="4" name="Slide Number Placeholder 3" title=""/>
           <p:cNvSpPr>
             <a:spLocks noGrp="1"/>
           </p:cNvSpPr>
@@ -2385,11 +2182,11 @@
 </file>
 
 <file path=ppt/slideLayouts/slideLayout8.xml><?xml version="1.0" encoding="utf-8"?>
-<p:sldLayout xmlns:a="http://schemas.openxmlformats.org/drawingml/2006/main" xmlns:r="http://schemas.openxmlformats.org/officeDocument/2006/relationships" xmlns:p14="http://schemas.microsoft.com/office/powerpoint/2010/main" xmlns:a14="http://schemas.microsoft.com/office/drawing/2010/main" xmlns:p15="http://schemas.microsoft.com/office/powerpoint/2012/main" xmlns:p159="http://schemas.microsoft.com/office/powerpoint/2015/09/main" xmlns:p="http://schemas.openxmlformats.org/presentationml/2006/main" type="objTx" preserve="1">
+<p:sldLayout xmlns:a="http://schemas.openxmlformats.org/drawingml/2006/main" xmlns:r="http://schemas.openxmlformats.org/officeDocument/2006/relationships" xmlns:m="http://schemas.openxmlformats.org/officeDocument/2006/math" xmlns:w="http://schemas.openxmlformats.org/wordprocessingml/2006/main" xmlns:wp="http://schemas.openxmlformats.org/drawingml/2006/wordprocessingDrawing" xmlns:a14="http://schemas.microsoft.com/office/drawing/2010/main" xmlns:mc="http://schemas.openxmlformats.org/markup-compatibility/2006" xmlns:p14="http://schemas.microsoft.com/office/powerpoint/2010/main" xmlns:p15="http://schemas.microsoft.com/office/powerpoint/2012/main" xmlns:p159="http://schemas.microsoft.com/office/powerpoint/2015/09/main" xmlns:p="http://schemas.openxmlformats.org/presentationml/2006/main" type="objTx" preserve="1">
   <p:cSld name="Content with Caption">
     <p:spTree>
       <p:nvGrpSpPr>
-        <p:cNvPr id="1" name=""/>
+        <p:cNvPr id="1" name="" title=""/>
         <p:cNvGrpSpPr/>
         <p:nvPr/>
       </p:nvGrpSpPr>
@@ -2401,7 +2198,7 @@
       </p:grpSpPr>
       <p:sp>
         <p:nvSpPr>
-          <p:cNvPr id="2" name="Title 1"/>
+          <p:cNvPr id="2" name="Title 1" title=""/>
           <p:cNvSpPr>
             <a:spLocks noGrp="1"/>
           </p:cNvSpPr>
@@ -2428,7 +2225,7 @@
       </p:sp>
       <p:sp>
         <p:nvSpPr>
-          <p:cNvPr id="3" name="Content Placeholder 2"/>
+          <p:cNvPr id="3" name="Content Placeholder 2" title=""/>
           <p:cNvSpPr>
             <a:spLocks noGrp="1"/>
           </p:cNvSpPr>
@@ -2507,7 +2304,7 @@
       </p:sp>
       <p:sp>
         <p:nvSpPr>
-          <p:cNvPr id="4" name="Text Placeholder 3"/>
+          <p:cNvPr id="4" name="Text Placeholder 3" title=""/>
           <p:cNvSpPr>
             <a:spLocks noGrp="1"/>
           </p:cNvSpPr>
@@ -2566,7 +2363,7 @@
       </p:sp>
       <p:sp>
         <p:nvSpPr>
-          <p:cNvPr id="5" name="Date Placeholder 4"/>
+          <p:cNvPr id="5" name="Date Placeholder 4" title=""/>
           <p:cNvSpPr>
             <a:spLocks noGrp="1"/>
           </p:cNvSpPr>
@@ -2579,7 +2376,7 @@
           <a:bodyPr/>
           <a:lstStyle/>
           <a:p>
-            <a:fld id="{DA794C61-7307-48FE-876B-14396BF12D4A}" type="datetimeFigureOut">
+            <a:fld id="{8B711E61-F1BB-4CAF-AE96-ECF24EFF7FD0}" type="datetimeFigureOut">
               <a:rPr lang="en-US" smtClean="0"/>
               <a:t>11/7/2009</a:t>
             </a:fld>
@@ -2589,7 +2386,7 @@
       </p:sp>
       <p:sp>
         <p:nvSpPr>
-          <p:cNvPr id="6" name="Footer Placeholder 5"/>
+          <p:cNvPr id="6" name="Footer Placeholder 5" title=""/>
           <p:cNvSpPr>
             <a:spLocks noGrp="1"/>
           </p:cNvSpPr>
@@ -2608,7 +2405,7 @@
       </p:sp>
       <p:sp>
         <p:nvSpPr>
-          <p:cNvPr id="7" name="Slide Number Placeholder 6"/>
+          <p:cNvPr id="7" name="Slide Number Placeholder 6" title=""/>
           <p:cNvSpPr>
             <a:spLocks noGrp="1"/>
           </p:cNvSpPr>
@@ -2640,11 +2437,11 @@
 </file>
 
 <file path=ppt/slideLayouts/slideLayout9.xml><?xml version="1.0" encoding="utf-8"?>
-<p:sldLayout xmlns:a="http://schemas.openxmlformats.org/drawingml/2006/main" xmlns:r="http://schemas.openxmlformats.org/officeDocument/2006/relationships" xmlns:p14="http://schemas.microsoft.com/office/powerpoint/2010/main" xmlns:a14="http://schemas.microsoft.com/office/drawing/2010/main" xmlns:p15="http://schemas.microsoft.com/office/powerpoint/2012/main" xmlns:p159="http://schemas.microsoft.com/office/powerpoint/2015/09/main" xmlns:p="http://schemas.openxmlformats.org/presentationml/2006/main" type="picTx" preserve="1">
+<p:sldLayout xmlns:a="http://schemas.openxmlformats.org/drawingml/2006/main" xmlns:r="http://schemas.openxmlformats.org/officeDocument/2006/relationships" xmlns:m="http://schemas.openxmlformats.org/officeDocument/2006/math" xmlns:w="http://schemas.openxmlformats.org/wordprocessingml/2006/main" xmlns:wp="http://schemas.openxmlformats.org/drawingml/2006/wordprocessingDrawing" xmlns:a14="http://schemas.microsoft.com/office/drawing/2010/main" xmlns:mc="http://schemas.openxmlformats.org/markup-compatibility/2006" xmlns:p14="http://schemas.microsoft.com/office/powerpoint/2010/main" xmlns:p15="http://schemas.microsoft.com/office/powerpoint/2012/main" xmlns:p159="http://schemas.microsoft.com/office/powerpoint/2015/09/main" xmlns:p="http://schemas.openxmlformats.org/presentationml/2006/main" type="picTx" preserve="1">
   <p:cSld name="Picture with Caption">
     <p:spTree>
       <p:nvGrpSpPr>
-        <p:cNvPr id="1" name=""/>
+        <p:cNvPr id="1" name="" title=""/>
         <p:cNvGrpSpPr/>
         <p:nvPr/>
       </p:nvGrpSpPr>
@@ -2656,7 +2453,7 @@
       </p:grpSpPr>
       <p:sp>
         <p:nvSpPr>
-          <p:cNvPr id="2" name="Title 1"/>
+          <p:cNvPr id="2" name="Title 1" title=""/>
           <p:cNvSpPr>
             <a:spLocks noGrp="1"/>
           </p:cNvSpPr>
@@ -2683,7 +2480,7 @@
       </p:sp>
       <p:sp>
         <p:nvSpPr>
-          <p:cNvPr id="3" name="Picture Placeholder 2"/>
+          <p:cNvPr id="3" name="Picture Placeholder 2" title=""/>
           <p:cNvSpPr>
             <a:spLocks noGrp="1"/>
           </p:cNvSpPr>
@@ -2739,7 +2536,7 @@
       </p:sp>
       <p:sp>
         <p:nvSpPr>
-          <p:cNvPr id="4" name="Text Placeholder 3"/>
+          <p:cNvPr id="4" name="Text Placeholder 3" title=""/>
           <p:cNvSpPr>
             <a:spLocks noGrp="1"/>
           </p:cNvSpPr>
@@ -2798,7 +2595,7 @@
       </p:sp>
       <p:sp>
         <p:nvSpPr>
-          <p:cNvPr id="5" name="Date Placeholder 4"/>
+          <p:cNvPr id="5" name="Date Placeholder 4" title=""/>
           <p:cNvSpPr>
             <a:spLocks noGrp="1"/>
           </p:cNvSpPr>
@@ -2811,7 +2608,7 @@
           <a:bodyPr/>
           <a:lstStyle/>
           <a:p>
-            <a:fld id="{884FD7B9-8EE9-478A-84A9-B0DFF1D87ED3}" type="datetimeFigureOut">
+            <a:fld id="{BF59A0F1-C4A3-4A7B-973C-78258085107D}" type="datetimeFigureOut">
               <a:rPr lang="en-US" smtClean="0"/>
               <a:t>11/7/2009</a:t>
             </a:fld>
@@ -2821,7 +2618,7 @@
       </p:sp>
       <p:sp>
         <p:nvSpPr>
-          <p:cNvPr id="6" name="Footer Placeholder 5"/>
+          <p:cNvPr id="6" name="Footer Placeholder 5" title=""/>
           <p:cNvSpPr>
             <a:spLocks noGrp="1"/>
           </p:cNvSpPr>
@@ -2840,7 +2637,7 @@
       </p:sp>
       <p:sp>
         <p:nvSpPr>
-          <p:cNvPr id="7" name="Slide Number Placeholder 6"/>
+          <p:cNvPr id="7" name="Slide Number Placeholder 6" title=""/>
           <p:cNvSpPr>
             <a:spLocks noGrp="1"/>
           </p:cNvSpPr>
@@ -2872,7 +2669,7 @@
 </file>
 
 <file path=ppt/slideMasters/slideMaster1.xml><?xml version="1.0" encoding="utf-8"?>
-<p:sldMaster xmlns:a="http://schemas.openxmlformats.org/drawingml/2006/main" xmlns:r="http://schemas.openxmlformats.org/officeDocument/2006/relationships" xmlns:p14="http://schemas.microsoft.com/office/powerpoint/2010/main" xmlns:a14="http://schemas.microsoft.com/office/drawing/2010/main" xmlns:p15="http://schemas.microsoft.com/office/powerpoint/2012/main" xmlns:p159="http://schemas.microsoft.com/office/powerpoint/2015/09/main" xmlns:p="http://schemas.openxmlformats.org/presentationml/2006/main">
+<p:sldMaster xmlns:a="http://schemas.openxmlformats.org/drawingml/2006/main" xmlns:r="http://schemas.openxmlformats.org/officeDocument/2006/relationships" xmlns:m="http://schemas.openxmlformats.org/officeDocument/2006/math" xmlns:w="http://schemas.openxmlformats.org/wordprocessingml/2006/main" xmlns:wp="http://schemas.openxmlformats.org/drawingml/2006/wordprocessingDrawing" xmlns:a14="http://schemas.microsoft.com/office/drawing/2010/main" xmlns:mc="http://schemas.openxmlformats.org/markup-compatibility/2006" xmlns:p14="http://schemas.microsoft.com/office/powerpoint/2010/main" xmlns:p15="http://schemas.microsoft.com/office/powerpoint/2012/main" xmlns:p159="http://schemas.microsoft.com/office/powerpoint/2015/09/main" xmlns:p="http://schemas.openxmlformats.org/presentationml/2006/main">
   <p:cSld>
     <p:bg>
       <p:bgRef idx="1001">
@@ -2881,7 +2678,7 @@
     </p:bg>
     <p:spTree>
       <p:nvGrpSpPr>
-        <p:cNvPr id="1" name=""/>
+        <p:cNvPr id="1" name="" title=""/>
         <p:cNvGrpSpPr/>
         <p:nvPr/>
       </p:nvGrpSpPr>
@@ -2893,7 +2690,7 @@
       </p:grpSpPr>
       <p:sp>
         <p:nvSpPr>
-          <p:cNvPr id="2" name="Title Placeholder 1"/>
+          <p:cNvPr id="2" name="Title Placeholder 1" title=""/>
           <p:cNvSpPr>
             <a:spLocks noGrp="1"/>
           </p:cNvSpPr>
@@ -2926,7 +2723,7 @@
       </p:sp>
       <p:sp>
         <p:nvSpPr>
-          <p:cNvPr id="3" name="Text Placeholder 2"/>
+          <p:cNvPr id="3" name="Text Placeholder 2" title=""/>
           <p:cNvSpPr>
             <a:spLocks noGrp="1"/>
           </p:cNvSpPr>
@@ -2987,7 +2784,7 @@
       </p:sp>
       <p:sp>
         <p:nvSpPr>
-          <p:cNvPr id="4" name="Date Placeholder 3"/>
+          <p:cNvPr id="4" name="Date Placeholder 3" title=""/>
           <p:cNvSpPr>
             <a:spLocks noGrp="1"/>
           </p:cNvSpPr>
@@ -3028,7 +2825,7 @@
       </p:sp>
       <p:sp>
         <p:nvSpPr>
-          <p:cNvPr id="5" name="Footer Placeholder 4"/>
+          <p:cNvPr id="5" name="Footer Placeholder 4" title=""/>
           <p:cNvSpPr>
             <a:spLocks noGrp="1"/>
           </p:cNvSpPr>
@@ -3065,7 +2862,7 @@
       </p:sp>
       <p:sp>
         <p:nvSpPr>
-          <p:cNvPr id="6" name="Slide Number Placeholder 5"/>
+          <p:cNvPr id="6" name="Slide Number Placeholder 5" title=""/>
           <p:cNvSpPr>
             <a:spLocks noGrp="1"/>
           </p:cNvSpPr>
@@ -3376,11 +3173,11 @@
 </file>
 
 <file path=ppt/slides/slide1.xml><?xml version="1.0" encoding="utf-8"?>
-<p:sld xmlns:a="http://schemas.openxmlformats.org/drawingml/2006/main" xmlns:r="http://schemas.openxmlformats.org/officeDocument/2006/relationships" xmlns:p14="http://schemas.microsoft.com/office/powerpoint/2010/main" xmlns:a14="http://schemas.microsoft.com/office/drawing/2010/main" xmlns:p15="http://schemas.microsoft.com/office/powerpoint/2012/main" xmlns:p159="http://schemas.microsoft.com/office/powerpoint/2015/09/main" xmlns:p="http://schemas.openxmlformats.org/presentationml/2006/main">
-  <p:cSld>
+<p:sld xmlns:a="http://schemas.openxmlformats.org/drawingml/2006/main" xmlns:r="http://schemas.openxmlformats.org/officeDocument/2006/relationships" xmlns:m="http://schemas.openxmlformats.org/officeDocument/2006/math" xmlns:w="http://schemas.openxmlformats.org/wordprocessingml/2006/main" xmlns:wp="http://schemas.openxmlformats.org/drawingml/2006/wordprocessingDrawing" xmlns:a14="http://schemas.microsoft.com/office/drawing/2010/main" xmlns:mc="http://schemas.openxmlformats.org/markup-compatibility/2006" xmlns:p14="http://schemas.microsoft.com/office/powerpoint/2010/main" xmlns:p15="http://schemas.microsoft.com/office/powerpoint/2012/main" xmlns:p159="http://schemas.microsoft.com/office/powerpoint/2015/09/main" xmlns:p="http://schemas.openxmlformats.org/presentationml/2006/main">
+  <p:cSld name="">
     <p:spTree>
       <p:nvGrpSpPr>
-        <p:cNvPr id="1" name=""/>
+        <p:cNvPr id="1" name="" title=""/>
         <p:cNvGrpSpPr/>
         <p:nvPr/>
       </p:nvGrpSpPr>
@@ -3392,7 +3189,7 @@
       </p:grpSpPr>
       <p:graphicFrame>
         <p:nvGraphicFramePr>
-          <p:cNvPr id="2" name="ChartObject"/>
+          <p:cNvPr id="2" name="ChartObject" title=""/>
           <p:cNvGraphicFramePr/>
           <p:nvPr/>
         </p:nvGraphicFramePr>
@@ -3406,22 +3203,77 @@
           </a:graphicData>
         </a:graphic>
       </p:graphicFrame>
-      <p:graphicFrame>
-        <p:nvGraphicFramePr>
-          <p:cNvPr id="3" name="ChartObject"/>
-          <p:cNvGraphicFramePr/>
+      <p:sp>
+        <p:nvSpPr>
+          <p:cNvPr id="3" name="TextBox"/>
+          <p:cNvSpPr txBox="1">
+            <a:spLocks noGrp="1" noSelect="1" noRot="1" noMove="1"/>
+          </p:cNvSpPr>
           <p:nvPr/>
-        </p:nvGraphicFramePr>
-        <p:xfrm>
-          <a:off x="0" y="0"/>
-          <a:ext cx="5080000" cy="5080000"/>
-        </p:xfrm>
-        <a:graphic>
-          <a:graphicData uri="http://schemas.openxmlformats.org/drawingml/2006/chart">
-            <c:chart xmlns:c="http://schemas.openxmlformats.org/drawingml/2006/chart" r:id="rId3"/>
-          </a:graphicData>
-        </a:graphic>
-      </p:graphicFrame>
+        </p:nvSpPr>
+        <p:spPr>
+          <a:xfrm>
+            <a:off x="1366520" y="2644140"/>
+            <a:ext cx="6411372" cy="1569660"/>
+          </a:xfrm>
+          <a:prstGeom prst="rect">
+            <a:avLst/>
+          </a:prstGeom>
+          <a:noFill/>
+        </p:spPr>
+        <p:txBody>
+          <a:bodyPr wrap="none" rtlCol="0" anchor="ctr" anchorCtr="1">
+            <a:spAutoFit/>
+          </a:bodyPr>
+          <a:lstStyle>
+            <a:lvl1pPr algn="l">
+              <a:lnSpc>
+                <a:spcPct val="150000"/>
+              </a:lnSpc>
+              <a:spcBef>
+                <a:spcPct val="0"/>
+              </a:spcBef>
+              <a:spcAft>
+                <a:spcPct val="0"/>
+              </a:spcAft>
+              <a:defRPr lang="en-US" sz="3200" b="1" noProof="1" dirty="0">
+                <a:solidFill>
+                  <a:prstClr val="red">
+                    <a:lumOff val="30000"/>
+                    <a:alpha val="40000"/>
+                  </a:prstClr>
+                </a:solidFill>
+                <a:effectLst>
+                  <a:outerShdw blurRad="50800" dist="38100" algn="tr" rotWithShape="0">
+                    <a:prstClr val="black">
+                      <a:alpha val="80000"/>
+                    </a:prstClr>
+                  </a:outerShdw>
+                </a:effectLst>
+                <a:latin typeface="Calibri" pitchFamily="34" charset="0"/>
+              </a:defRPr>
+            </a:lvl1pPr>
+          </a:lstStyle>
+          <a:p>
+            <a:pPr algn="ctr"/>
+            <a:r>
+              <a:t>Evaluation only.</a:t>
+            </a:r>
+          </a:p>
+          <a:p>
+            <a:pPr algn="ctr"/>
+            <a:r>
+              <a:t>Created with Aspose.Slides for .NET 4.0 Client Profile 21.12.</a:t>
+            </a:r>
+          </a:p>
+          <a:p>
+            <a:pPr algn="ctr"/>
+            <a:r>
+              <a:t>Copyright 2004-2021Aspose Pty Ltd.</a:t>
+            </a:r>
+          </a:p>
+        </p:txBody>
+      </p:sp>
     </p:spTree>
   </p:cSld>
   <p:clrMapOvr>
@@ -3435,10 +3287,10 @@
 <file path=ppt/tags/tag1.xml><?xml version="1.0" encoding="utf-8"?>
 <p:tagLst xmlns:p="http://schemas.openxmlformats.org/presentationml/2006/main">
   <p:tag name="AS_NET" val="4.0.30319.42000"/>
-  <p:tag name="AS_OS" val="Microsoft Windows NT 6.2.9200.0"/>
-  <p:tag name="AS_RELEASE_DATE" val="2019.06.14"/>
+  <p:tag name="AS_OS" val="Microsoft Windows NT 6.3.9600.0"/>
+  <p:tag name="AS_RELEASE_DATE" val="2021.12.14"/>
   <p:tag name="AS_TITLE" val="Aspose.Slides for .NET 4.0 Client Profile"/>
-  <p:tag name="AS_VERSION" val="19.6"/>
+  <p:tag name="AS_VERSION" val="21.12"/>
 </p:tagLst>
 </file>
 
